--- a/POO/Aulas/PPT/Aula #2 - Introdução ao Typescript.pptx
+++ b/POO/Aulas/PPT/Aula #2 - Introdução ao Typescript.pptx
@@ -373,7 +373,7 @@
             <a:fld id="{1D8BD707-D9CF-40AE-B4C6-C98DA3205C09}" type="datetimeFigureOut">
               <a:rPr lang="en-US" smtClean="0"/>
               <a:pPr/>
-              <a:t>1/25/2023</a:t>
+              <a:t>3/15/2023</a:t>
             </a:fld>
             <a:endParaRPr lang="en-US"/>
           </a:p>
@@ -538,7 +538,7 @@
             <a:fld id="{1D8BD707-D9CF-40AE-B4C6-C98DA3205C09}" type="datetimeFigureOut">
               <a:rPr lang="en-US" smtClean="0"/>
               <a:pPr/>
-              <a:t>1/25/2023</a:t>
+              <a:t>3/15/2023</a:t>
             </a:fld>
             <a:endParaRPr lang="en-US"/>
           </a:p>
@@ -713,7 +713,7 @@
             <a:fld id="{1D8BD707-D9CF-40AE-B4C6-C98DA3205C09}" type="datetimeFigureOut">
               <a:rPr lang="en-US" smtClean="0"/>
               <a:pPr/>
-              <a:t>1/25/2023</a:t>
+              <a:t>3/15/2023</a:t>
             </a:fld>
             <a:endParaRPr lang="en-US"/>
           </a:p>
@@ -878,7 +878,7 @@
             <a:fld id="{1D8BD707-D9CF-40AE-B4C6-C98DA3205C09}" type="datetimeFigureOut">
               <a:rPr lang="en-US" smtClean="0"/>
               <a:pPr/>
-              <a:t>1/25/2023</a:t>
+              <a:t>3/15/2023</a:t>
             </a:fld>
             <a:endParaRPr lang="en-US"/>
           </a:p>
@@ -1120,7 +1120,7 @@
             <a:fld id="{1D8BD707-D9CF-40AE-B4C6-C98DA3205C09}" type="datetimeFigureOut">
               <a:rPr lang="en-US" smtClean="0"/>
               <a:pPr/>
-              <a:t>1/25/2023</a:t>
+              <a:t>3/15/2023</a:t>
             </a:fld>
             <a:endParaRPr lang="en-US"/>
           </a:p>
@@ -1402,7 +1402,7 @@
             <a:fld id="{1D8BD707-D9CF-40AE-B4C6-C98DA3205C09}" type="datetimeFigureOut">
               <a:rPr lang="en-US" smtClean="0"/>
               <a:pPr/>
-              <a:t>1/25/2023</a:t>
+              <a:t>3/15/2023</a:t>
             </a:fld>
             <a:endParaRPr lang="en-US"/>
           </a:p>
@@ -1818,7 +1818,7 @@
             <a:fld id="{1D8BD707-D9CF-40AE-B4C6-C98DA3205C09}" type="datetimeFigureOut">
               <a:rPr lang="en-US" smtClean="0"/>
               <a:pPr/>
-              <a:t>1/25/2023</a:t>
+              <a:t>3/15/2023</a:t>
             </a:fld>
             <a:endParaRPr lang="en-US"/>
           </a:p>
@@ -1932,7 +1932,7 @@
             <a:fld id="{1D8BD707-D9CF-40AE-B4C6-C98DA3205C09}" type="datetimeFigureOut">
               <a:rPr lang="en-US" smtClean="0"/>
               <a:pPr/>
-              <a:t>1/25/2023</a:t>
+              <a:t>3/15/2023</a:t>
             </a:fld>
             <a:endParaRPr lang="en-US"/>
           </a:p>
@@ -2024,7 +2024,7 @@
             <a:fld id="{1D8BD707-D9CF-40AE-B4C6-C98DA3205C09}" type="datetimeFigureOut">
               <a:rPr lang="en-US" smtClean="0"/>
               <a:pPr/>
-              <a:t>1/25/2023</a:t>
+              <a:t>3/15/2023</a:t>
             </a:fld>
             <a:endParaRPr lang="en-US"/>
           </a:p>
@@ -2296,7 +2296,7 @@
             <a:fld id="{1D8BD707-D9CF-40AE-B4C6-C98DA3205C09}" type="datetimeFigureOut">
               <a:rPr lang="en-US" smtClean="0"/>
               <a:pPr/>
-              <a:t>1/25/2023</a:t>
+              <a:t>3/15/2023</a:t>
             </a:fld>
             <a:endParaRPr lang="en-US"/>
           </a:p>
@@ -2545,7 +2545,7 @@
             <a:fld id="{1D8BD707-D9CF-40AE-B4C6-C98DA3205C09}" type="datetimeFigureOut">
               <a:rPr lang="en-US" smtClean="0"/>
               <a:pPr/>
-              <a:t>1/25/2023</a:t>
+              <a:t>3/15/2023</a:t>
             </a:fld>
             <a:endParaRPr lang="en-US"/>
           </a:p>
@@ -2753,7 +2753,7 @@
             <a:fld id="{1D8BD707-D9CF-40AE-B4C6-C98DA3205C09}" type="datetimeFigureOut">
               <a:rPr lang="en-US" smtClean="0"/>
               <a:pPr/>
-              <a:t>1/25/2023</a:t>
+              <a:t>3/15/2023</a:t>
             </a:fld>
             <a:endParaRPr lang="en-US"/>
           </a:p>
@@ -9954,7 +9954,7 @@
                 </a:lnSpc>
               </a:pPr>
               <a:r>
-                <a:rPr lang="en-US" sz="3000" spc="-66">
+                <a:rPr lang="en-US" sz="3000" spc="-66" dirty="0">
                   <a:solidFill>
                     <a:srgbClr val="D9D9D9"/>
                   </a:solidFill>
@@ -9970,7 +9970,7 @@
                 </a:lnSpc>
               </a:pPr>
               <a:r>
-                <a:rPr lang="en-US" sz="3000" spc="-66">
+                <a:rPr lang="en-US" sz="3000" spc="-66" dirty="0">
                   <a:solidFill>
                     <a:srgbClr val="2DBEB1"/>
                   </a:solidFill>
@@ -9979,7 +9979,7 @@
                 <a:t>let </a:t>
               </a:r>
               <a:r>
-                <a:rPr lang="en-US" sz="3000" spc="-66">
+                <a:rPr lang="en-US" sz="3000" spc="-66" dirty="0">
                   <a:solidFill>
                     <a:srgbClr val="FBF3E4"/>
                   </a:solidFill>
@@ -9988,7 +9988,7 @@
                 <a:t>name:</a:t>
               </a:r>
               <a:r>
-                <a:rPr lang="en-US" sz="3000" spc="-66">
+                <a:rPr lang="en-US" sz="3000" spc="-66" dirty="0">
                   <a:solidFill>
                     <a:srgbClr val="7ED957"/>
                   </a:solidFill>
@@ -9997,7 +9997,7 @@
                 <a:t> </a:t>
               </a:r>
               <a:r>
-                <a:rPr lang="en-US" sz="3000" spc="-66">
+                <a:rPr lang="en-US" sz="3000" spc="-66" dirty="0">
                   <a:solidFill>
                     <a:srgbClr val="2DBEB1"/>
                   </a:solidFill>
@@ -10006,7 +10006,7 @@
                 <a:t>string </a:t>
               </a:r>
               <a:r>
-                <a:rPr lang="en-US" sz="3000" spc="-66">
+                <a:rPr lang="en-US" sz="3000" spc="-66" dirty="0">
                   <a:solidFill>
                     <a:srgbClr val="FBF3E4"/>
                   </a:solidFill>
@@ -10015,16 +10015,34 @@
                 <a:t>= </a:t>
               </a:r>
               <a:r>
-                <a:rPr lang="en-US" sz="3000" spc="-66">
+                <a:rPr lang="en-US" sz="3000" spc="-66" dirty="0">
                   <a:solidFill>
                     <a:srgbClr val="F7DF1E"/>
                   </a:solidFill>
                   <a:latin typeface="Fira Code"/>
                 </a:rPr>
-                <a:t>"Rafa"</a:t>
+                <a:t>"</a:t>
               </a:r>
               <a:r>
-                <a:rPr lang="en-US" sz="3000" spc="-66">
+                <a:rPr lang="en-US" sz="3000" spc="-66" dirty="0" err="1">
+                  <a:solidFill>
+                    <a:srgbClr val="F7DF1E"/>
+                  </a:solidFill>
+                  <a:latin typeface="Fira Code"/>
+                </a:rPr>
+                <a:t>Rafa</a:t>
+              </a:r>
+              <a:r>
+                <a:rPr lang="en-US" sz="3000" spc="-66" dirty="0">
+                  <a:solidFill>
+                    <a:srgbClr val="F7DF1E"/>
+                  </a:solidFill>
+                  <a:latin typeface="Fira Code"/>
+                </a:rPr>
+                <a:t>"</a:t>
+              </a:r>
+              <a:r>
+                <a:rPr lang="en-US" sz="3000" spc="-66" dirty="0">
                   <a:solidFill>
                     <a:srgbClr val="7ED957"/>
                   </a:solidFill>
@@ -10039,7 +10057,7 @@
                   <a:spcPts val="4200"/>
                 </a:lnSpc>
               </a:pPr>
-              <a:endParaRPr lang="en-US" sz="3000" spc="-66">
+              <a:endParaRPr lang="en-US" sz="3000" spc="-66" dirty="0">
                 <a:solidFill>
                   <a:srgbClr val="7ED957"/>
                 </a:solidFill>
@@ -10053,7 +10071,7 @@
                 </a:lnSpc>
               </a:pPr>
               <a:r>
-                <a:rPr lang="en-US" sz="3000" spc="-66">
+                <a:rPr lang="en-US" sz="3000" spc="-66" dirty="0">
                   <a:solidFill>
                     <a:srgbClr val="D9D9D9"/>
                   </a:solidFill>
@@ -10069,7 +10087,7 @@
                 </a:lnSpc>
               </a:pPr>
               <a:r>
-                <a:rPr lang="en-US" sz="3000" spc="-66">
+                <a:rPr lang="en-US" sz="3000" spc="-66" dirty="0">
                   <a:solidFill>
                     <a:srgbClr val="2DBEB1"/>
                   </a:solidFill>
@@ -10078,16 +10096,25 @@
                 <a:t>let </a:t>
               </a:r>
               <a:r>
-                <a:rPr lang="en-US" sz="3000" spc="-66">
+                <a:rPr lang="en-US" sz="3000" spc="-66" dirty="0" err="1">
                   <a:solidFill>
                     <a:srgbClr val="FBF3E4"/>
                   </a:solidFill>
                   <a:latin typeface="Fira Code"/>
                 </a:rPr>
-                <a:t>isOk:</a:t>
+                <a:t>isOk</a:t>
               </a:r>
               <a:r>
-                <a:rPr lang="en-US" sz="3000" spc="-66">
+                <a:rPr lang="en-US" sz="3000" spc="-66" dirty="0">
+                  <a:solidFill>
+                    <a:srgbClr val="FBF3E4"/>
+                  </a:solidFill>
+                  <a:latin typeface="Fira Code"/>
+                </a:rPr>
+                <a:t>:</a:t>
+              </a:r>
+              <a:r>
+                <a:rPr lang="en-US" sz="3000" spc="-66" dirty="0">
                   <a:solidFill>
                     <a:srgbClr val="7ED957"/>
                   </a:solidFill>
@@ -10096,16 +10123,25 @@
                 <a:t> </a:t>
               </a:r>
               <a:r>
-                <a:rPr lang="en-US" sz="3000" spc="-66">
+                <a:rPr lang="en-US" sz="3000" spc="-66" dirty="0" err="1">
                   <a:solidFill>
                     <a:srgbClr val="2DBEB1"/>
                   </a:solidFill>
                   <a:latin typeface="Fira Code"/>
                 </a:rPr>
-                <a:t>boolean </a:t>
+                <a:t>boolean</a:t>
               </a:r>
               <a:r>
-                <a:rPr lang="en-US" sz="3000" spc="-66">
+                <a:rPr lang="en-US" sz="3000" spc="-66" dirty="0">
+                  <a:solidFill>
+                    <a:srgbClr val="2DBEB1"/>
+                  </a:solidFill>
+                  <a:latin typeface="Fira Code"/>
+                </a:rPr>
+                <a:t> </a:t>
+              </a:r>
+              <a:r>
+                <a:rPr lang="en-US" sz="3000" spc="-66" dirty="0">
                   <a:solidFill>
                     <a:srgbClr val="FBF3E4"/>
                   </a:solidFill>
@@ -10114,7 +10150,7 @@
                 <a:t>= </a:t>
               </a:r>
               <a:r>
-                <a:rPr lang="en-US" sz="3000" spc="-66">
+                <a:rPr lang="en-US" sz="3000" spc="-66" dirty="0">
                   <a:solidFill>
                     <a:srgbClr val="7ED957"/>
                   </a:solidFill>
@@ -10129,7 +10165,7 @@
                   <a:spcPts val="4200"/>
                 </a:lnSpc>
               </a:pPr>
-              <a:endParaRPr lang="en-US" sz="3000" spc="-66">
+              <a:endParaRPr lang="en-US" sz="3000" spc="-66" dirty="0">
                 <a:solidFill>
                   <a:srgbClr val="7ED957"/>
                 </a:solidFill>
@@ -10143,7 +10179,7 @@
                 </a:lnSpc>
               </a:pPr>
               <a:r>
-                <a:rPr lang="en-US" sz="3000" spc="-66">
+                <a:rPr lang="en-US" sz="3000" spc="-66" dirty="0">
                   <a:solidFill>
                     <a:srgbClr val="D9D9D9"/>
                   </a:solidFill>
@@ -10159,7 +10195,7 @@
                 </a:lnSpc>
               </a:pPr>
               <a:r>
-                <a:rPr lang="en-US" sz="3000" spc="-66">
+                <a:rPr lang="en-US" sz="3000" spc="-66" dirty="0">
                   <a:solidFill>
                     <a:srgbClr val="2DBEB1"/>
                   </a:solidFill>
@@ -10168,7 +10204,7 @@
                 <a:t>let </a:t>
               </a:r>
               <a:r>
-                <a:rPr lang="en-US" sz="3000" spc="-66">
+                <a:rPr lang="en-US" sz="3000" spc="-66" dirty="0">
                   <a:solidFill>
                     <a:srgbClr val="FBF3E4"/>
                   </a:solidFill>
@@ -10177,7 +10213,7 @@
                 <a:t>age:</a:t>
               </a:r>
               <a:r>
-                <a:rPr lang="en-US" sz="3000" spc="-66">
+                <a:rPr lang="en-US" sz="3000" spc="-66" dirty="0">
                   <a:solidFill>
                     <a:srgbClr val="7ED957"/>
                   </a:solidFill>
@@ -10186,7 +10222,7 @@
                 <a:t> </a:t>
               </a:r>
               <a:r>
-                <a:rPr lang="en-US" sz="3000" spc="-66">
+                <a:rPr lang="en-US" sz="3000" spc="-66" dirty="0">
                   <a:solidFill>
                     <a:srgbClr val="2DBEB1"/>
                   </a:solidFill>
@@ -10195,7 +10231,7 @@
                 <a:t>number </a:t>
               </a:r>
               <a:r>
-                <a:rPr lang="en-US" sz="3000" spc="-66">
+                <a:rPr lang="en-US" sz="3000" spc="-66" dirty="0">
                   <a:solidFill>
                     <a:srgbClr val="FBF3E4"/>
                   </a:solidFill>
@@ -10204,7 +10240,7 @@
                 <a:t>= </a:t>
               </a:r>
               <a:r>
-                <a:rPr lang="en-US" sz="3000" spc="-66">
+                <a:rPr lang="en-US" sz="3000" spc="-66" dirty="0">
                   <a:solidFill>
                     <a:srgbClr val="7ED957"/>
                   </a:solidFill>
@@ -10541,7 +10577,7 @@
                 </a:lnSpc>
               </a:pPr>
               <a:r>
-                <a:rPr lang="en-US" sz="3000" spc="-66">
+                <a:rPr lang="en-US" sz="3000" spc="-66" dirty="0">
                   <a:solidFill>
                     <a:srgbClr val="D9D9D9"/>
                   </a:solidFill>
@@ -10557,7 +10593,7 @@
                 </a:lnSpc>
               </a:pPr>
               <a:r>
-                <a:rPr lang="en-US" sz="3000" spc="-66">
+                <a:rPr lang="en-US" sz="3000" spc="-66" dirty="0">
                   <a:solidFill>
                     <a:srgbClr val="2DBEB1"/>
                   </a:solidFill>
@@ -10566,16 +10602,25 @@
                 <a:t>let </a:t>
               </a:r>
               <a:r>
-                <a:rPr lang="en-US" sz="3000" spc="-66">
+                <a:rPr lang="en-US" sz="3000" spc="-66" dirty="0" err="1">
                   <a:solidFill>
                     <a:srgbClr val="FBF3E4"/>
                   </a:solidFill>
                   <a:latin typeface="Fira Code"/>
                 </a:rPr>
-                <a:t>arr:</a:t>
+                <a:t>arr</a:t>
               </a:r>
               <a:r>
-                <a:rPr lang="en-US" sz="3000" spc="-66">
+                <a:rPr lang="en-US" sz="3000" spc="-66" dirty="0">
+                  <a:solidFill>
+                    <a:srgbClr val="FBF3E4"/>
+                  </a:solidFill>
+                  <a:latin typeface="Fira Code"/>
+                </a:rPr>
+                <a:t>:</a:t>
+              </a:r>
+              <a:r>
+                <a:rPr lang="en-US" sz="3000" spc="-66" dirty="0">
                   <a:solidFill>
                     <a:srgbClr val="7ED957"/>
                   </a:solidFill>
@@ -10584,7 +10629,7 @@
                 <a:t> </a:t>
               </a:r>
               <a:r>
-                <a:rPr lang="en-US" sz="3000" spc="-66">
+                <a:rPr lang="en-US" sz="3000" spc="-66" dirty="0">
                   <a:solidFill>
                     <a:srgbClr val="2DBEB1"/>
                   </a:solidFill>
@@ -10593,7 +10638,7 @@
                 <a:t>Array&lt;number&gt; </a:t>
               </a:r>
               <a:r>
-                <a:rPr lang="en-US" sz="3000" spc="-66">
+                <a:rPr lang="en-US" sz="3000" spc="-66" dirty="0">
                   <a:solidFill>
                     <a:srgbClr val="FBF3E4"/>
                   </a:solidFill>
@@ -10602,7 +10647,7 @@
                 <a:t>= [</a:t>
               </a:r>
               <a:r>
-                <a:rPr lang="en-US" sz="3000" spc="-66">
+                <a:rPr lang="en-US" sz="3000" spc="-66" dirty="0">
                   <a:solidFill>
                     <a:srgbClr val="7ED957"/>
                   </a:solidFill>
@@ -10611,7 +10656,7 @@
                 <a:t>1</a:t>
               </a:r>
               <a:r>
-                <a:rPr lang="en-US" sz="3000" spc="-66">
+                <a:rPr lang="en-US" sz="3000" spc="-66" dirty="0">
                   <a:solidFill>
                     <a:srgbClr val="FBF3E4"/>
                   </a:solidFill>
@@ -10620,7 +10665,7 @@
                 <a:t>,</a:t>
               </a:r>
               <a:r>
-                <a:rPr lang="en-US" sz="3000" spc="-66">
+                <a:rPr lang="en-US" sz="3000" spc="-66" dirty="0">
                   <a:solidFill>
                     <a:srgbClr val="7ED957"/>
                   </a:solidFill>
@@ -10629,7 +10674,7 @@
                 <a:t>2</a:t>
               </a:r>
               <a:r>
-                <a:rPr lang="en-US" sz="3000" spc="-66">
+                <a:rPr lang="en-US" sz="3000" spc="-66" dirty="0">
                   <a:solidFill>
                     <a:srgbClr val="FBF3E4"/>
                   </a:solidFill>
@@ -10638,7 +10683,7 @@
                 <a:t>,</a:t>
               </a:r>
               <a:r>
-                <a:rPr lang="en-US" sz="3000" spc="-66">
+                <a:rPr lang="en-US" sz="3000" spc="-66" dirty="0">
                   <a:solidFill>
                     <a:srgbClr val="7ED957"/>
                   </a:solidFill>
@@ -10647,7 +10692,7 @@
                 <a:t>3</a:t>
               </a:r>
               <a:r>
-                <a:rPr lang="en-US" sz="3000" spc="-66">
+                <a:rPr lang="en-US" sz="3000" spc="-66" dirty="0">
                   <a:solidFill>
                     <a:srgbClr val="FBF3E4"/>
                   </a:solidFill>
@@ -10663,7 +10708,7 @@
                 </a:lnSpc>
               </a:pPr>
               <a:r>
-                <a:rPr lang="en-US" sz="3000" spc="-66">
+                <a:rPr lang="en-US" sz="3000" spc="-66" dirty="0">
                   <a:solidFill>
                     <a:srgbClr val="2DBEB1"/>
                   </a:solidFill>
@@ -10672,7 +10717,7 @@
                 <a:t>let</a:t>
               </a:r>
               <a:r>
-                <a:rPr lang="en-US" sz="3000" spc="-66">
+                <a:rPr lang="en-US" sz="3000" spc="-66" dirty="0">
                   <a:solidFill>
                     <a:srgbClr val="FBF3E4"/>
                   </a:solidFill>
@@ -10681,7 +10726,7 @@
                 <a:t> array: </a:t>
               </a:r>
               <a:r>
-                <a:rPr lang="en-US" sz="3000" spc="-66">
+                <a:rPr lang="en-US" sz="3000" spc="-66" dirty="0">
                   <a:solidFill>
                     <a:srgbClr val="2DBEB1"/>
                   </a:solidFill>
@@ -10690,7 +10735,7 @@
                 <a:t>number[]</a:t>
               </a:r>
               <a:r>
-                <a:rPr lang="en-US" sz="3000" spc="-66">
+                <a:rPr lang="en-US" sz="3000" spc="-66" dirty="0">
                   <a:solidFill>
                     <a:srgbClr val="FBF3E4"/>
                   </a:solidFill>
@@ -10699,7 +10744,7 @@
                 <a:t> = [</a:t>
               </a:r>
               <a:r>
-                <a:rPr lang="en-US" sz="3000" spc="-66">
+                <a:rPr lang="en-US" sz="3000" spc="-66" dirty="0">
                   <a:solidFill>
                     <a:srgbClr val="7ED957"/>
                   </a:solidFill>
@@ -10708,7 +10753,7 @@
                 <a:t>1</a:t>
               </a:r>
               <a:r>
-                <a:rPr lang="en-US" sz="3000" spc="-66">
+                <a:rPr lang="en-US" sz="3000" spc="-66" dirty="0">
                   <a:solidFill>
                     <a:srgbClr val="FBF3E4"/>
                   </a:solidFill>
@@ -10717,7 +10762,7 @@
                 <a:t>,</a:t>
               </a:r>
               <a:r>
-                <a:rPr lang="en-US" sz="3000" spc="-66">
+                <a:rPr lang="en-US" sz="3000" spc="-66" dirty="0">
                   <a:solidFill>
                     <a:srgbClr val="7ED957"/>
                   </a:solidFill>
@@ -10726,7 +10771,7 @@
                 <a:t>2</a:t>
               </a:r>
               <a:r>
-                <a:rPr lang="en-US" sz="3000" spc="-66">
+                <a:rPr lang="en-US" sz="3000" spc="-66" dirty="0">
                   <a:solidFill>
                     <a:srgbClr val="FBF3E4"/>
                   </a:solidFill>
@@ -10735,7 +10780,7 @@
                 <a:t>,</a:t>
               </a:r>
               <a:r>
-                <a:rPr lang="en-US" sz="3000" spc="-66">
+                <a:rPr lang="en-US" sz="3000" spc="-66" dirty="0">
                   <a:solidFill>
                     <a:srgbClr val="7ED957"/>
                   </a:solidFill>
@@ -10744,7 +10789,7 @@
                 <a:t>3</a:t>
               </a:r>
               <a:r>
-                <a:rPr lang="en-US" sz="3000" spc="-66">
+                <a:rPr lang="en-US" sz="3000" spc="-66" dirty="0">
                   <a:solidFill>
                     <a:srgbClr val="FBF3E4"/>
                   </a:solidFill>
@@ -10753,7 +10798,7 @@
                 <a:t>]</a:t>
               </a:r>
               <a:r>
-                <a:rPr lang="en-US" sz="3000" spc="-66">
+                <a:rPr lang="en-US" sz="3000" spc="-66" dirty="0">
                   <a:solidFill>
                     <a:srgbClr val="7ED957"/>
                   </a:solidFill>
@@ -10768,7 +10813,7 @@
                   <a:spcPts val="4200"/>
                 </a:lnSpc>
               </a:pPr>
-              <a:endParaRPr lang="en-US" sz="3000" spc="-66">
+              <a:endParaRPr lang="en-US" sz="3000" spc="-66" dirty="0">
                 <a:solidFill>
                   <a:srgbClr val="7ED957"/>
                 </a:solidFill>
@@ -10782,7 +10827,7 @@
                 </a:lnSpc>
               </a:pPr>
               <a:r>
-                <a:rPr lang="en-US" sz="3000" spc="-66">
+                <a:rPr lang="en-US" sz="3000" spc="-66" dirty="0">
                   <a:solidFill>
                     <a:srgbClr val="D9D9D9"/>
                   </a:solidFill>
@@ -10798,7 +10843,7 @@
                 </a:lnSpc>
               </a:pPr>
               <a:r>
-                <a:rPr lang="en-US" sz="3000" spc="-66">
+                <a:rPr lang="en-US" sz="3000" spc="-66" dirty="0">
                   <a:solidFill>
                     <a:srgbClr val="2DBEB1"/>
                   </a:solidFill>
@@ -10807,7 +10852,7 @@
                 <a:t>let </a:t>
               </a:r>
               <a:r>
-                <a:rPr lang="en-US" sz="3000" spc="-66">
+                <a:rPr lang="en-US" sz="3000" spc="-66" dirty="0">
                   <a:solidFill>
                     <a:srgbClr val="FBF3E4"/>
                   </a:solidFill>
@@ -10816,7 +10861,7 @@
                 <a:t>person:</a:t>
               </a:r>
               <a:r>
-                <a:rPr lang="en-US" sz="3000" spc="-66">
+                <a:rPr lang="en-US" sz="3000" spc="-66" dirty="0">
                   <a:solidFill>
                     <a:srgbClr val="7ED957"/>
                   </a:solidFill>
@@ -10825,7 +10870,7 @@
                 <a:t> </a:t>
               </a:r>
               <a:r>
-                <a:rPr lang="en-US" sz="3000" spc="-66">
+                <a:rPr lang="en-US" sz="3000" spc="-66" dirty="0">
                   <a:solidFill>
                     <a:srgbClr val="FBF3E4"/>
                   </a:solidFill>
@@ -10834,7 +10879,7 @@
                 <a:t>{name: </a:t>
               </a:r>
               <a:r>
-                <a:rPr lang="en-US" sz="3000" spc="-66">
+                <a:rPr lang="en-US" sz="3000" spc="-66" dirty="0">
                   <a:solidFill>
                     <a:srgbClr val="2DBEB1"/>
                   </a:solidFill>
@@ -10843,7 +10888,7 @@
                 <a:t>string</a:t>
               </a:r>
               <a:r>
-                <a:rPr lang="en-US" sz="3000" spc="-66">
+                <a:rPr lang="en-US" sz="3000" spc="-66" dirty="0">
                   <a:solidFill>
                     <a:srgbClr val="FBF3E4"/>
                   </a:solidFill>
@@ -10852,7 +10897,7 @@
                 <a:t>, age: </a:t>
               </a:r>
               <a:r>
-                <a:rPr lang="en-US" sz="3000" spc="-66">
+                <a:rPr lang="en-US" sz="3000" spc="-66" dirty="0">
                   <a:solidFill>
                     <a:srgbClr val="2DBEB1"/>
                   </a:solidFill>
@@ -10861,7 +10906,7 @@
                 <a:t>number</a:t>
               </a:r>
               <a:r>
-                <a:rPr lang="en-US" sz="3000" spc="-66">
+                <a:rPr lang="en-US" sz="3000" spc="-66" dirty="0">
                   <a:solidFill>
                     <a:srgbClr val="FBF3E4"/>
                   </a:solidFill>
@@ -10877,7 +10922,7 @@
                 </a:lnSpc>
               </a:pPr>
               <a:r>
-                <a:rPr lang="en-US" sz="3000" spc="-66">
+                <a:rPr lang="en-US" sz="3000" spc="-66" dirty="0">
                   <a:solidFill>
                     <a:srgbClr val="FBF3E4"/>
                   </a:solidFill>
@@ -10893,7 +10938,7 @@
                 </a:lnSpc>
               </a:pPr>
               <a:r>
-                <a:rPr lang="en-US" sz="3000" spc="-66">
+                <a:rPr lang="en-US" sz="3000" spc="-66" dirty="0">
                   <a:solidFill>
                     <a:srgbClr val="000000"/>
                   </a:solidFill>
@@ -10902,7 +10947,7 @@
                 <a:t>    </a:t>
               </a:r>
               <a:r>
-                <a:rPr lang="en-US" sz="3000" spc="-66">
+                <a:rPr lang="en-US" sz="3000" spc="-66" dirty="0">
                   <a:solidFill>
                     <a:srgbClr val="FBF3E4"/>
                   </a:solidFill>
@@ -10911,7 +10956,7 @@
                 <a:t>name:</a:t>
               </a:r>
               <a:r>
-                <a:rPr lang="en-US" sz="3000" spc="-66">
+                <a:rPr lang="en-US" sz="3000" spc="-66" dirty="0">
                   <a:solidFill>
                     <a:srgbClr val="000000"/>
                   </a:solidFill>
@@ -10920,16 +10965,34 @@
                 <a:t> </a:t>
               </a:r>
               <a:r>
-                <a:rPr lang="en-US" sz="3000" spc="-66">
+                <a:rPr lang="en-US" sz="3000" spc="-66" dirty="0">
                   <a:solidFill>
                     <a:srgbClr val="F7DF1E"/>
                   </a:solidFill>
                   <a:latin typeface="Fira Code"/>
                 </a:rPr>
-                <a:t>"Rafa"</a:t>
+                <a:t>"</a:t>
               </a:r>
               <a:r>
-                <a:rPr lang="en-US" sz="3000" spc="-66">
+                <a:rPr lang="en-US" sz="3000" spc="-66" dirty="0" err="1">
+                  <a:solidFill>
+                    <a:srgbClr val="F7DF1E"/>
+                  </a:solidFill>
+                  <a:latin typeface="Fira Code"/>
+                </a:rPr>
+                <a:t>Rafa</a:t>
+              </a:r>
+              <a:r>
+                <a:rPr lang="en-US" sz="3000" spc="-66" dirty="0">
+                  <a:solidFill>
+                    <a:srgbClr val="F7DF1E"/>
+                  </a:solidFill>
+                  <a:latin typeface="Fira Code"/>
+                </a:rPr>
+                <a:t>"</a:t>
+              </a:r>
+              <a:r>
+                <a:rPr lang="en-US" sz="3000" spc="-66" dirty="0">
                   <a:solidFill>
                     <a:srgbClr val="FBF3E4"/>
                   </a:solidFill>
@@ -10945,7 +11008,7 @@
                 </a:lnSpc>
               </a:pPr>
               <a:r>
-                <a:rPr lang="en-US" sz="3000" spc="-66">
+                <a:rPr lang="en-US" sz="3000" spc="-66" dirty="0">
                   <a:solidFill>
                     <a:srgbClr val="000000"/>
                   </a:solidFill>
@@ -10954,7 +11017,7 @@
                 <a:t>    </a:t>
               </a:r>
               <a:r>
-                <a:rPr lang="en-US" sz="3000" spc="-66">
+                <a:rPr lang="en-US" sz="3000" spc="-66" dirty="0">
                   <a:solidFill>
                     <a:srgbClr val="FBF3E4"/>
                   </a:solidFill>
@@ -10963,7 +11026,7 @@
                 <a:t>age:</a:t>
               </a:r>
               <a:r>
-                <a:rPr lang="en-US" sz="3000" spc="-66">
+                <a:rPr lang="en-US" sz="3000" spc="-66" dirty="0">
                   <a:solidFill>
                     <a:srgbClr val="000000"/>
                   </a:solidFill>
@@ -10972,7 +11035,7 @@
                 <a:t> </a:t>
               </a:r>
               <a:r>
-                <a:rPr lang="en-US" sz="3000" spc="-66">
+                <a:rPr lang="en-US" sz="3000" spc="-66" dirty="0">
                   <a:solidFill>
                     <a:srgbClr val="7ED957"/>
                   </a:solidFill>
@@ -10988,7 +11051,7 @@
                 </a:lnSpc>
               </a:pPr>
               <a:r>
-                <a:rPr lang="en-US" sz="3000" spc="-66">
+                <a:rPr lang="en-US" sz="3000" spc="-66" dirty="0">
                   <a:solidFill>
                     <a:srgbClr val="FBF3E4"/>
                   </a:solidFill>
@@ -12123,7 +12186,7 @@
               </a:lnSpc>
             </a:pPr>
             <a:r>
-              <a:rPr lang="en-US" sz="3000" spc="-66">
+              <a:rPr lang="en-US" sz="2800" spc="-66" dirty="0">
                 <a:solidFill>
                   <a:srgbClr val="2DBEB1"/>
                 </a:solidFill>
@@ -12132,7 +12195,7 @@
               <a:t>function </a:t>
             </a:r>
             <a:r>
-              <a:rPr lang="en-US" sz="3000" spc="-66">
+              <a:rPr lang="en-US" sz="2800" spc="-66" dirty="0">
                 <a:solidFill>
                   <a:srgbClr val="FBF3E4"/>
                 </a:solidFill>
@@ -12148,7 +12211,7 @@
               </a:lnSpc>
             </a:pPr>
             <a:r>
-              <a:rPr lang="en-US" sz="3000" spc="-66">
+              <a:rPr lang="en-US" sz="2800" spc="-66" dirty="0">
                 <a:solidFill>
                   <a:srgbClr val="D9D9D9"/>
                 </a:solidFill>
@@ -12157,7 +12220,7 @@
               <a:t>    </a:t>
             </a:r>
             <a:r>
-              <a:rPr lang="en-US" sz="3000" spc="-66">
+              <a:rPr lang="en-US" sz="2800" spc="-66" dirty="0">
                 <a:solidFill>
                   <a:srgbClr val="2DBEB1"/>
                 </a:solidFill>
@@ -12166,7 +12229,7 @@
               <a:t>return </a:t>
             </a:r>
             <a:r>
-              <a:rPr lang="en-US" sz="3000" spc="-66">
+              <a:rPr lang="en-US" sz="2800" spc="-66" dirty="0">
                 <a:solidFill>
                   <a:srgbClr val="FBF3E4"/>
                 </a:solidFill>
@@ -12182,7 +12245,7 @@
               </a:lnSpc>
             </a:pPr>
             <a:r>
-              <a:rPr lang="en-US" sz="3000" spc="-66">
+              <a:rPr lang="en-US" sz="2800" spc="-66" dirty="0">
                 <a:solidFill>
                   <a:srgbClr val="FBF3E4"/>
                 </a:solidFill>
@@ -12191,7 +12254,7 @@
               <a:t>}</a:t>
             </a:r>
             <a:r>
-              <a:rPr lang="en-US" sz="3000" spc="-66">
+              <a:rPr lang="en-US" sz="2800" spc="-66" dirty="0">
                 <a:solidFill>
                   <a:srgbClr val="D9D9D9"/>
                 </a:solidFill>
@@ -12850,7 +12913,7 @@
               </a:lnSpc>
             </a:pPr>
             <a:r>
-              <a:rPr lang="en-US" sz="3000" spc="-66">
+              <a:rPr lang="en-US" sz="2800" spc="-66" dirty="0">
                 <a:solidFill>
                   <a:srgbClr val="2DBEB1"/>
                 </a:solidFill>
@@ -12859,7 +12922,7 @@
               <a:t>function </a:t>
             </a:r>
             <a:r>
-              <a:rPr lang="en-US" sz="3000" spc="-66">
+              <a:rPr lang="en-US" sz="2800" spc="-66" dirty="0">
                 <a:solidFill>
                   <a:srgbClr val="FBF3E4"/>
                 </a:solidFill>
@@ -12875,7 +12938,7 @@
               </a:lnSpc>
             </a:pPr>
             <a:r>
-              <a:rPr lang="en-US" sz="3000" spc="-66">
+              <a:rPr lang="en-US" sz="2800" spc="-66" dirty="0">
                 <a:solidFill>
                   <a:srgbClr val="2DBEB1"/>
                 </a:solidFill>
@@ -12884,7 +12947,7 @@
               <a:t>    </a:t>
             </a:r>
             <a:r>
-              <a:rPr lang="en-US" sz="3000" spc="-66">
+              <a:rPr lang="en-US" sz="2800" spc="-66" dirty="0">
                 <a:solidFill>
                   <a:srgbClr val="FBF3E4"/>
                 </a:solidFill>
@@ -12893,7 +12956,7 @@
               <a:t>a:</a:t>
             </a:r>
             <a:r>
-              <a:rPr lang="en-US" sz="3000" spc="-66">
+              <a:rPr lang="en-US" sz="2800" spc="-66" dirty="0">
                 <a:solidFill>
                   <a:srgbClr val="2DBEB1"/>
                 </a:solidFill>
@@ -12902,7 +12965,7 @@
               <a:t> number</a:t>
             </a:r>
             <a:r>
-              <a:rPr lang="en-US" sz="3000" spc="-66">
+              <a:rPr lang="en-US" sz="2800" spc="-66" dirty="0">
                 <a:solidFill>
                   <a:srgbClr val="FBF3E4"/>
                 </a:solidFill>
@@ -12918,7 +12981,7 @@
               </a:lnSpc>
             </a:pPr>
             <a:r>
-              <a:rPr lang="en-US" sz="3000" spc="-66">
+              <a:rPr lang="en-US" sz="2800" spc="-66" dirty="0">
                 <a:solidFill>
                   <a:srgbClr val="2DBEB1"/>
                 </a:solidFill>
@@ -12927,7 +12990,7 @@
               <a:t>    </a:t>
             </a:r>
             <a:r>
-              <a:rPr lang="en-US" sz="3000" spc="-66">
+              <a:rPr lang="en-US" sz="2800" spc="-66" dirty="0">
                 <a:solidFill>
                   <a:srgbClr val="FBF3E4"/>
                 </a:solidFill>
@@ -12936,7 +12999,7 @@
               <a:t>b:</a:t>
             </a:r>
             <a:r>
-              <a:rPr lang="en-US" sz="3000" spc="-66">
+              <a:rPr lang="en-US" sz="2800" spc="-66" dirty="0">
                 <a:solidFill>
                   <a:srgbClr val="2DBEB1"/>
                 </a:solidFill>
@@ -12952,7 +13015,7 @@
               </a:lnSpc>
             </a:pPr>
             <a:r>
-              <a:rPr lang="en-US" sz="3000" spc="-66">
+              <a:rPr lang="en-US" sz="2800" spc="-66" dirty="0">
                 <a:solidFill>
                   <a:srgbClr val="FBF3E4"/>
                 </a:solidFill>
@@ -12961,7 +13024,7 @@
               <a:t>):</a:t>
             </a:r>
             <a:r>
-              <a:rPr lang="en-US" sz="3000" spc="-66">
+              <a:rPr lang="en-US" sz="2800" spc="-66" dirty="0">
                 <a:solidFill>
                   <a:srgbClr val="2DBEB1"/>
                 </a:solidFill>
@@ -12970,7 +13033,7 @@
               <a:t> number </a:t>
             </a:r>
             <a:r>
-              <a:rPr lang="en-US" sz="3000" spc="-66">
+              <a:rPr lang="en-US" sz="2800" spc="-66" dirty="0">
                 <a:solidFill>
                   <a:srgbClr val="FBF3E4"/>
                 </a:solidFill>
@@ -12986,7 +13049,7 @@
               </a:lnSpc>
             </a:pPr>
             <a:r>
-              <a:rPr lang="en-US" sz="3000" spc="-66">
+              <a:rPr lang="en-US" sz="2800" spc="-66" dirty="0">
                 <a:solidFill>
                   <a:srgbClr val="2DBEB1"/>
                 </a:solidFill>
@@ -12995,7 +13058,7 @@
               <a:t>    return </a:t>
             </a:r>
             <a:r>
-              <a:rPr lang="en-US" sz="3000" spc="-66">
+              <a:rPr lang="en-US" sz="2800" spc="-66" dirty="0">
                 <a:solidFill>
                   <a:srgbClr val="FBF3E4"/>
                 </a:solidFill>
@@ -13011,7 +13074,7 @@
               </a:lnSpc>
             </a:pPr>
             <a:r>
-              <a:rPr lang="en-US" sz="3000" spc="-66">
+              <a:rPr lang="en-US" sz="2800" spc="-66" dirty="0">
                 <a:solidFill>
                   <a:srgbClr val="FBF3E4"/>
                 </a:solidFill>
@@ -15161,7 +15224,7 @@
               </a:lnSpc>
             </a:pPr>
             <a:r>
-              <a:rPr lang="en-US" sz="3000" spc="-66">
+              <a:rPr lang="en-US" sz="3000" spc="-66" dirty="0">
                 <a:solidFill>
                   <a:srgbClr val="D9D9D9"/>
                 </a:solidFill>
@@ -15177,7 +15240,7 @@
               </a:lnSpc>
             </a:pPr>
             <a:r>
-              <a:rPr lang="en-US" sz="3000" spc="-66">
+              <a:rPr lang="en-US" sz="3000" spc="-66" dirty="0">
                 <a:solidFill>
                   <a:srgbClr val="2DBEB1"/>
                 </a:solidFill>
@@ -15186,16 +15249,25 @@
               <a:t>function </a:t>
             </a:r>
             <a:r>
-              <a:rPr lang="en-US" sz="3000" spc="-66">
+              <a:rPr lang="en-US" sz="3000" spc="-66" dirty="0" err="1">
                 <a:solidFill>
                   <a:srgbClr val="FBF3E4"/>
                 </a:solidFill>
                 <a:latin typeface="Fira Code"/>
               </a:rPr>
-              <a:t>sayHello(name?:</a:t>
-            </a:r>
-            <a:r>
-              <a:rPr lang="en-US" sz="3000" spc="-66">
+              <a:t>sayHello</a:t>
+            </a:r>
+            <a:r>
+              <a:rPr lang="en-US" sz="3000" spc="-66" dirty="0">
+                <a:solidFill>
+                  <a:srgbClr val="FBF3E4"/>
+                </a:solidFill>
+                <a:latin typeface="Fira Code"/>
+              </a:rPr>
+              <a:t>(name?:</a:t>
+            </a:r>
+            <a:r>
+              <a:rPr lang="en-US" sz="3000" spc="-66" dirty="0">
                 <a:solidFill>
                   <a:srgbClr val="2DBEB1"/>
                 </a:solidFill>
@@ -15204,7 +15276,7 @@
               <a:t> string</a:t>
             </a:r>
             <a:r>
-              <a:rPr lang="en-US" sz="3000" spc="-66">
+              <a:rPr lang="en-US" sz="3000" spc="-66" dirty="0">
                 <a:solidFill>
                   <a:srgbClr val="FBF3E4"/>
                 </a:solidFill>
@@ -15213,7 +15285,7 @@
               <a:t>):</a:t>
             </a:r>
             <a:r>
-              <a:rPr lang="en-US" sz="3000" spc="-66">
+              <a:rPr lang="en-US" sz="3000" spc="-66" dirty="0">
                 <a:solidFill>
                   <a:srgbClr val="2DBEB1"/>
                 </a:solidFill>
@@ -15222,7 +15294,7 @@
               <a:t> void </a:t>
             </a:r>
             <a:r>
-              <a:rPr lang="en-US" sz="3000" spc="-66">
+              <a:rPr lang="en-US" sz="3000" spc="-66" dirty="0">
                 <a:solidFill>
                   <a:srgbClr val="FBF3E4"/>
                 </a:solidFill>
@@ -15238,7 +15310,7 @@
               </a:lnSpc>
             </a:pPr>
             <a:r>
-              <a:rPr lang="en-US" sz="3000" spc="-66">
+              <a:rPr lang="en-US" sz="3000" spc="-66" dirty="0">
                 <a:solidFill>
                   <a:srgbClr val="FBF3E4"/>
                 </a:solidFill>
@@ -15247,7 +15319,7 @@
               <a:t>    console.log(</a:t>
             </a:r>
             <a:r>
-              <a:rPr lang="en-US" sz="3000" spc="-66">
+              <a:rPr lang="en-US" sz="3000" spc="-66" dirty="0">
                 <a:solidFill>
                   <a:srgbClr val="F7DF1E"/>
                 </a:solidFill>
@@ -15256,7 +15328,7 @@
               <a:t>"Hello,"</a:t>
             </a:r>
             <a:r>
-              <a:rPr lang="en-US" sz="3000" spc="-66">
+              <a:rPr lang="en-US" sz="3000" spc="-66" dirty="0">
                 <a:solidFill>
                   <a:srgbClr val="FBF3E4"/>
                 </a:solidFill>
@@ -15265,7 +15337,7 @@
               <a:t>, name ||</a:t>
             </a:r>
             <a:r>
-              <a:rPr lang="en-US" sz="3000" spc="-66">
+              <a:rPr lang="en-US" sz="3000" spc="-66" dirty="0">
                 <a:solidFill>
                   <a:srgbClr val="2DBEB1"/>
                 </a:solidFill>
@@ -15274,7 +15346,7 @@
               <a:t> </a:t>
             </a:r>
             <a:r>
-              <a:rPr lang="en-US" sz="3000" spc="-66">
+              <a:rPr lang="en-US" sz="3000" spc="-66" dirty="0">
                 <a:solidFill>
                   <a:srgbClr val="F7DF1E"/>
                 </a:solidFill>
@@ -15283,7 +15355,7 @@
               <a:t>"World"</a:t>
             </a:r>
             <a:r>
-              <a:rPr lang="en-US" sz="3000" spc="-66">
+              <a:rPr lang="en-US" sz="3000" spc="-66" dirty="0">
                 <a:solidFill>
                   <a:srgbClr val="FBF3E4"/>
                 </a:solidFill>
@@ -15299,7 +15371,7 @@
               </a:lnSpc>
             </a:pPr>
             <a:r>
-              <a:rPr lang="en-US" sz="3000" spc="-66">
+              <a:rPr lang="en-US" sz="3000" spc="-66" dirty="0">
                 <a:solidFill>
                   <a:srgbClr val="FBF3E4"/>
                 </a:solidFill>
@@ -15314,7 +15386,7 @@
                 <a:spcPts val="4200"/>
               </a:lnSpc>
             </a:pPr>
-            <a:endParaRPr lang="en-US" sz="3000" spc="-66">
+            <a:endParaRPr lang="en-US" sz="3000" spc="-66" dirty="0">
               <a:solidFill>
                 <a:srgbClr val="FBF3E4"/>
               </a:solidFill>
@@ -15328,7 +15400,7 @@
               </a:lnSpc>
             </a:pPr>
             <a:r>
-              <a:rPr lang="en-US" sz="3000" spc="-66">
+              <a:rPr lang="en-US" sz="3000" spc="-66" dirty="0">
                 <a:solidFill>
                   <a:srgbClr val="D9D9D9"/>
                 </a:solidFill>
@@ -15344,7 +15416,7 @@
               </a:lnSpc>
             </a:pPr>
             <a:r>
-              <a:rPr lang="en-US" sz="3000" spc="-66">
+              <a:rPr lang="en-US" sz="3000" spc="-66" dirty="0">
                 <a:solidFill>
                   <a:srgbClr val="2DBEB1"/>
                 </a:solidFill>
@@ -15353,13 +15425,22 @@
               <a:t>function </a:t>
             </a:r>
             <a:r>
-              <a:rPr lang="en-US" sz="3000" spc="-66">
+              <a:rPr lang="en-US" sz="3000" spc="-66" dirty="0" err="1">
                 <a:solidFill>
                   <a:srgbClr val="D9D9D9"/>
                 </a:solidFill>
                 <a:latin typeface="Fira Code"/>
               </a:rPr>
-              <a:t>applyDiscount(</a:t>
+              <a:t>applyDiscount</a:t>
+            </a:r>
+            <a:r>
+              <a:rPr lang="en-US" sz="3000" spc="-66" dirty="0">
+                <a:solidFill>
+                  <a:srgbClr val="D9D9D9"/>
+                </a:solidFill>
+                <a:latin typeface="Fira Code"/>
+              </a:rPr>
+              <a:t>(</a:t>
             </a:r>
           </a:p>
           <a:p>
@@ -15369,7 +15450,7 @@
               </a:lnSpc>
             </a:pPr>
             <a:r>
-              <a:rPr lang="en-US" sz="3000" spc="-66">
+              <a:rPr lang="en-US" sz="3000" spc="-66" dirty="0">
                 <a:solidFill>
                   <a:srgbClr val="D9D9D9"/>
                 </a:solidFill>
@@ -15378,7 +15459,7 @@
               <a:t>    price: </a:t>
             </a:r>
             <a:r>
-              <a:rPr lang="en-US" sz="3000" spc="-66">
+              <a:rPr lang="en-US" sz="3000" spc="-66" dirty="0">
                 <a:solidFill>
                   <a:srgbClr val="2DBEB1"/>
                 </a:solidFill>
@@ -15387,7 +15468,7 @@
               <a:t>number</a:t>
             </a:r>
             <a:r>
-              <a:rPr lang="en-US" sz="3000" spc="-66">
+              <a:rPr lang="en-US" sz="3000" spc="-66" dirty="0">
                 <a:solidFill>
                   <a:srgbClr val="D9D9D9"/>
                 </a:solidFill>
@@ -15403,7 +15484,7 @@
               </a:lnSpc>
             </a:pPr>
             <a:r>
-              <a:rPr lang="en-US" sz="3000" spc="-66">
+              <a:rPr lang="en-US" sz="3000" spc="-66" dirty="0">
                 <a:solidFill>
                   <a:srgbClr val="D9D9D9"/>
                 </a:solidFill>
@@ -15412,7 +15493,7 @@
               <a:t>    discount: </a:t>
             </a:r>
             <a:r>
-              <a:rPr lang="en-US" sz="3000" spc="-66">
+              <a:rPr lang="en-US" sz="3000" spc="-66" dirty="0">
                 <a:solidFill>
                   <a:srgbClr val="2DBEB1"/>
                 </a:solidFill>
@@ -15421,7 +15502,7 @@
               <a:t>number </a:t>
             </a:r>
             <a:r>
-              <a:rPr lang="en-US" sz="3000" spc="-66">
+              <a:rPr lang="en-US" sz="3000" spc="-66" dirty="0">
                 <a:solidFill>
                   <a:srgbClr val="D9D9D9"/>
                 </a:solidFill>
@@ -15430,7 +15511,7 @@
               <a:t>= </a:t>
             </a:r>
             <a:r>
-              <a:rPr lang="en-US" sz="3000" spc="-66">
+              <a:rPr lang="en-US" sz="3000" spc="-66" dirty="0">
                 <a:solidFill>
                   <a:srgbClr val="7ED957"/>
                 </a:solidFill>
@@ -15446,7 +15527,7 @@
               </a:lnSpc>
             </a:pPr>
             <a:r>
-              <a:rPr lang="en-US" sz="3000" spc="-66">
+              <a:rPr lang="en-US" sz="3000" spc="-66" dirty="0">
                 <a:solidFill>
                   <a:srgbClr val="D9D9D9"/>
                 </a:solidFill>
@@ -15455,7 +15536,7 @@
               <a:t>): </a:t>
             </a:r>
             <a:r>
-              <a:rPr lang="en-US" sz="3000" spc="-66">
+              <a:rPr lang="en-US" sz="3000" spc="-66" dirty="0">
                 <a:solidFill>
                   <a:srgbClr val="2DBEB1"/>
                 </a:solidFill>
@@ -15464,7 +15545,7 @@
               <a:t>number </a:t>
             </a:r>
             <a:r>
-              <a:rPr lang="en-US" sz="3000" spc="-66">
+              <a:rPr lang="en-US" sz="3000" spc="-66" dirty="0">
                 <a:solidFill>
                   <a:srgbClr val="D9D9D9"/>
                 </a:solidFill>
@@ -15480,7 +15561,7 @@
               </a:lnSpc>
             </a:pPr>
             <a:r>
-              <a:rPr lang="en-US" sz="3000" spc="-66">
+              <a:rPr lang="en-US" sz="3000" spc="-66" dirty="0">
                 <a:solidFill>
                   <a:srgbClr val="D9D9D9"/>
                 </a:solidFill>
@@ -15489,7 +15570,7 @@
               <a:t>    return price * (</a:t>
             </a:r>
             <a:r>
-              <a:rPr lang="en-US" sz="3000" spc="-66">
+              <a:rPr lang="en-US" sz="3000" spc="-66" dirty="0">
                 <a:solidFill>
                   <a:srgbClr val="7ED957"/>
                 </a:solidFill>
@@ -15498,7 +15579,7 @@
               <a:t>1 </a:t>
             </a:r>
             <a:r>
-              <a:rPr lang="en-US" sz="3000" spc="-66">
+              <a:rPr lang="en-US" sz="3000" spc="-66" dirty="0">
                 <a:solidFill>
                   <a:srgbClr val="D9D9D9"/>
                 </a:solidFill>
@@ -15514,7 +15595,7 @@
               </a:lnSpc>
             </a:pPr>
             <a:r>
-              <a:rPr lang="en-US" sz="3000" spc="-66">
+              <a:rPr lang="en-US" sz="3000" spc="-66" dirty="0">
                 <a:solidFill>
                   <a:srgbClr val="D9D9D9"/>
                 </a:solidFill>
@@ -18676,7 +18757,7 @@
                 </a:spcBef>
               </a:pPr>
               <a:r>
-                <a:rPr lang="en-US" sz="1963">
+                <a:rPr lang="en-US" dirty="0">
                   <a:solidFill>
                     <a:srgbClr val="000000"/>
                   </a:solidFill>
